--- a/figures/R_figs/Fig3.pptx
+++ b/figures/R_figs/Fig3.pptx
@@ -2,12 +2,12 @@
 <file path=ppt/presentation.xml><?xml version="1.0" encoding="utf-8"?>
 <p:presentation xmlns:a="http://schemas.openxmlformats.org/drawingml/2006/main" xmlns:r="http://schemas.openxmlformats.org/officeDocument/2006/relationships" xmlns:p="http://schemas.openxmlformats.org/presentationml/2006/main" saveSubsetFonts="1" autoCompressPictures="0">
   <p:sldMasterIdLst>
-    <p:sldMasterId id="2147483660" r:id="rId1"/>
+    <p:sldMasterId id="2147483672" r:id="rId1"/>
   </p:sldMasterIdLst>
   <p:sldIdLst>
     <p:sldId id="256" r:id="rId2"/>
   </p:sldIdLst>
-  <p:sldSz cx="10972800" cy="5943600"/>
+  <p:sldSz cx="10972800" cy="6172200"/>
   <p:notesSz cx="6858000" cy="9144000"/>
   <p:defaultTextStyle>
     <a:defPPr>
@@ -104,6 +104,11 @@
       </a:defRPr>
     </a:lvl9pPr>
   </p:defaultTextStyle>
+  <p:extLst>
+    <p:ext uri="{EFAFB233-063F-42B5-8137-9DF3F51BA10A}">
+      <p15:sldGuideLst xmlns:p15="http://schemas.microsoft.com/office/powerpoint/2012/main"/>
+    </p:ext>
+  </p:extLst>
 </p:presentation>
 </file>
 
@@ -136,15 +141,15 @@
         </p:nvSpPr>
         <p:spPr>
           <a:xfrm>
-            <a:off x="1371600" y="972715"/>
-            <a:ext cx="8229600" cy="2069253"/>
+            <a:off x="1371600" y="1010127"/>
+            <a:ext cx="8229600" cy="2148840"/>
           </a:xfrm>
         </p:spPr>
         <p:txBody>
           <a:bodyPr anchor="b"/>
           <a:lstStyle>
             <a:lvl1pPr algn="ctr">
-              <a:defRPr sz="5200"/>
+              <a:defRPr sz="5400"/>
             </a:lvl1pPr>
           </a:lstStyle>
           <a:p>
@@ -168,8 +173,8 @@
         </p:nvSpPr>
         <p:spPr>
           <a:xfrm>
-            <a:off x="1371600" y="3121766"/>
-            <a:ext cx="8229600" cy="1434994"/>
+            <a:off x="1371600" y="3241834"/>
+            <a:ext cx="8229600" cy="1490186"/>
           </a:xfrm>
         </p:spPr>
         <p:txBody>
@@ -177,39 +182,39 @@
           <a:lstStyle>
             <a:lvl1pPr marL="0" indent="0" algn="ctr">
               <a:buNone/>
-              <a:defRPr sz="2080"/>
+              <a:defRPr sz="2160"/>
             </a:lvl1pPr>
-            <a:lvl2pPr marL="396255" indent="0" algn="ctr">
-              <a:buNone/>
-              <a:defRPr sz="1733"/>
+            <a:lvl2pPr marL="411480" indent="0" algn="ctr">
+              <a:buNone/>
+              <a:defRPr sz="1800"/>
             </a:lvl2pPr>
-            <a:lvl3pPr marL="792510" indent="0" algn="ctr">
-              <a:buNone/>
-              <a:defRPr sz="1560"/>
+            <a:lvl3pPr marL="822960" indent="0" algn="ctr">
+              <a:buNone/>
+              <a:defRPr sz="1620"/>
             </a:lvl3pPr>
-            <a:lvl4pPr marL="1188766" indent="0" algn="ctr">
-              <a:buNone/>
-              <a:defRPr sz="1387"/>
+            <a:lvl4pPr marL="1234440" indent="0" algn="ctr">
+              <a:buNone/>
+              <a:defRPr sz="1440"/>
             </a:lvl4pPr>
-            <a:lvl5pPr marL="1585021" indent="0" algn="ctr">
-              <a:buNone/>
-              <a:defRPr sz="1387"/>
+            <a:lvl5pPr marL="1645920" indent="0" algn="ctr">
+              <a:buNone/>
+              <a:defRPr sz="1440"/>
             </a:lvl5pPr>
-            <a:lvl6pPr marL="1981276" indent="0" algn="ctr">
-              <a:buNone/>
-              <a:defRPr sz="1387"/>
+            <a:lvl6pPr marL="2057400" indent="0" algn="ctr">
+              <a:buNone/>
+              <a:defRPr sz="1440"/>
             </a:lvl6pPr>
-            <a:lvl7pPr marL="2377531" indent="0" algn="ctr">
-              <a:buNone/>
-              <a:defRPr sz="1387"/>
+            <a:lvl7pPr marL="2468880" indent="0" algn="ctr">
+              <a:buNone/>
+              <a:defRPr sz="1440"/>
             </a:lvl7pPr>
-            <a:lvl8pPr marL="2773787" indent="0" algn="ctr">
-              <a:buNone/>
-              <a:defRPr sz="1387"/>
+            <a:lvl8pPr marL="2880360" indent="0" algn="ctr">
+              <a:buNone/>
+              <a:defRPr sz="1440"/>
             </a:lvl8pPr>
-            <a:lvl9pPr marL="3170042" indent="0" algn="ctr">
-              <a:buNone/>
-              <a:defRPr sz="1387"/>
+            <a:lvl9pPr marL="3291840" indent="0" algn="ctr">
+              <a:buNone/>
+              <a:defRPr sz="1440"/>
             </a:lvl9pPr>
           </a:lstStyle>
           <a:p>
@@ -238,7 +243,7 @@
           <a:p>
             <a:fld id="{1A95B205-F163-8A4A-8B3F-D4F443FB412E}" type="datetimeFigureOut">
               <a:rPr lang="en-US" smtClean="0"/>
-              <a:t>8/17/23</a:t>
+              <a:t>8/19/23</a:t>
             </a:fld>
             <a:endParaRPr lang="en-US"/>
           </a:p>
@@ -289,7 +294,7 @@
     </p:spTree>
     <p:extLst>
       <p:ext uri="{BB962C8B-B14F-4D97-AF65-F5344CB8AC3E}">
-        <p14:creationId xmlns:p14="http://schemas.microsoft.com/office/powerpoint/2010/main" val="3186194016"/>
+        <p14:creationId xmlns:p14="http://schemas.microsoft.com/office/powerpoint/2010/main" val="347781197"/>
       </p:ext>
     </p:extLst>
   </p:cSld>
@@ -408,7 +413,7 @@
           <a:p>
             <a:fld id="{1A95B205-F163-8A4A-8B3F-D4F443FB412E}" type="datetimeFigureOut">
               <a:rPr lang="en-US" smtClean="0"/>
-              <a:t>8/17/23</a:t>
+              <a:t>8/19/23</a:t>
             </a:fld>
             <a:endParaRPr lang="en-US"/>
           </a:p>
@@ -459,7 +464,7 @@
     </p:spTree>
     <p:extLst>
       <p:ext uri="{BB962C8B-B14F-4D97-AF65-F5344CB8AC3E}">
-        <p14:creationId xmlns:p14="http://schemas.microsoft.com/office/powerpoint/2010/main" val="2912562365"/>
+        <p14:creationId xmlns:p14="http://schemas.microsoft.com/office/powerpoint/2010/main" val="2800814890"/>
       </p:ext>
     </p:extLst>
   </p:cSld>
@@ -498,8 +503,8 @@
         </p:nvSpPr>
         <p:spPr>
           <a:xfrm>
-            <a:off x="7852410" y="316442"/>
-            <a:ext cx="2366010" cy="5036926"/>
+            <a:off x="7852410" y="328613"/>
+            <a:ext cx="2366010" cy="5230654"/>
           </a:xfrm>
         </p:spPr>
         <p:txBody>
@@ -526,8 +531,8 @@
         </p:nvSpPr>
         <p:spPr>
           <a:xfrm>
-            <a:off x="754380" y="316442"/>
-            <a:ext cx="6960870" cy="5036926"/>
+            <a:off x="754380" y="328613"/>
+            <a:ext cx="6960870" cy="5230654"/>
           </a:xfrm>
         </p:spPr>
         <p:txBody>
@@ -588,7 +593,7 @@
           <a:p>
             <a:fld id="{1A95B205-F163-8A4A-8B3F-D4F443FB412E}" type="datetimeFigureOut">
               <a:rPr lang="en-US" smtClean="0"/>
-              <a:t>8/17/23</a:t>
+              <a:t>8/19/23</a:t>
             </a:fld>
             <a:endParaRPr lang="en-US"/>
           </a:p>
@@ -639,7 +644,7 @@
     </p:spTree>
     <p:extLst>
       <p:ext uri="{BB962C8B-B14F-4D97-AF65-F5344CB8AC3E}">
-        <p14:creationId xmlns:p14="http://schemas.microsoft.com/office/powerpoint/2010/main" val="1768294033"/>
+        <p14:creationId xmlns:p14="http://schemas.microsoft.com/office/powerpoint/2010/main" val="2315736848"/>
       </p:ext>
     </p:extLst>
   </p:cSld>
@@ -758,7 +763,7 @@
           <a:p>
             <a:fld id="{1A95B205-F163-8A4A-8B3F-D4F443FB412E}" type="datetimeFigureOut">
               <a:rPr lang="en-US" smtClean="0"/>
-              <a:t>8/17/23</a:t>
+              <a:t>8/19/23</a:t>
             </a:fld>
             <a:endParaRPr lang="en-US"/>
           </a:p>
@@ -809,7 +814,7 @@
     </p:spTree>
     <p:extLst>
       <p:ext uri="{BB962C8B-B14F-4D97-AF65-F5344CB8AC3E}">
-        <p14:creationId xmlns:p14="http://schemas.microsoft.com/office/powerpoint/2010/main" val="966491263"/>
+        <p14:creationId xmlns:p14="http://schemas.microsoft.com/office/powerpoint/2010/main" val="3503767376"/>
       </p:ext>
     </p:extLst>
   </p:cSld>
@@ -848,15 +853,15 @@
         </p:nvSpPr>
         <p:spPr>
           <a:xfrm>
-            <a:off x="748665" y="1481773"/>
-            <a:ext cx="9464040" cy="2472372"/>
+            <a:off x="748665" y="1538765"/>
+            <a:ext cx="9464040" cy="2567463"/>
           </a:xfrm>
         </p:spPr>
         <p:txBody>
           <a:bodyPr anchor="b"/>
           <a:lstStyle>
             <a:lvl1pPr>
-              <a:defRPr sz="5200"/>
+              <a:defRPr sz="5400"/>
             </a:lvl1pPr>
           </a:lstStyle>
           <a:p>
@@ -880,8 +885,8 @@
         </p:nvSpPr>
         <p:spPr>
           <a:xfrm>
-            <a:off x="748665" y="3977535"/>
-            <a:ext cx="9464040" cy="1300162"/>
+            <a:off x="748665" y="4130517"/>
+            <a:ext cx="9464040" cy="1350168"/>
           </a:xfrm>
         </p:spPr>
         <p:txBody>
@@ -889,7 +894,7 @@
           <a:lstStyle>
             <a:lvl1pPr marL="0" indent="0">
               <a:buNone/>
-              <a:defRPr sz="2080">
+              <a:defRPr sz="2160">
                 <a:solidFill>
                   <a:schemeClr val="tx1">
                     <a:tint val="75000"/>
@@ -897,9 +902,9 @@
                 </a:solidFill>
               </a:defRPr>
             </a:lvl1pPr>
-            <a:lvl2pPr marL="396255" indent="0">
-              <a:buNone/>
-              <a:defRPr sz="1733">
+            <a:lvl2pPr marL="411480" indent="0">
+              <a:buNone/>
+              <a:defRPr sz="1800">
                 <a:solidFill>
                   <a:schemeClr val="tx1">
                     <a:tint val="75000"/>
@@ -907,9 +912,9 @@
                 </a:solidFill>
               </a:defRPr>
             </a:lvl2pPr>
-            <a:lvl3pPr marL="792510" indent="0">
-              <a:buNone/>
-              <a:defRPr sz="1560">
+            <a:lvl3pPr marL="822960" indent="0">
+              <a:buNone/>
+              <a:defRPr sz="1620">
                 <a:solidFill>
                   <a:schemeClr val="tx1">
                     <a:tint val="75000"/>
@@ -917,9 +922,9 @@
                 </a:solidFill>
               </a:defRPr>
             </a:lvl3pPr>
-            <a:lvl4pPr marL="1188766" indent="0">
-              <a:buNone/>
-              <a:defRPr sz="1387">
+            <a:lvl4pPr marL="1234440" indent="0">
+              <a:buNone/>
+              <a:defRPr sz="1440">
                 <a:solidFill>
                   <a:schemeClr val="tx1">
                     <a:tint val="75000"/>
@@ -927,9 +932,9 @@
                 </a:solidFill>
               </a:defRPr>
             </a:lvl4pPr>
-            <a:lvl5pPr marL="1585021" indent="0">
-              <a:buNone/>
-              <a:defRPr sz="1387">
+            <a:lvl5pPr marL="1645920" indent="0">
+              <a:buNone/>
+              <a:defRPr sz="1440">
                 <a:solidFill>
                   <a:schemeClr val="tx1">
                     <a:tint val="75000"/>
@@ -937,9 +942,9 @@
                 </a:solidFill>
               </a:defRPr>
             </a:lvl5pPr>
-            <a:lvl6pPr marL="1981276" indent="0">
-              <a:buNone/>
-              <a:defRPr sz="1387">
+            <a:lvl6pPr marL="2057400" indent="0">
+              <a:buNone/>
+              <a:defRPr sz="1440">
                 <a:solidFill>
                   <a:schemeClr val="tx1">
                     <a:tint val="75000"/>
@@ -947,9 +952,9 @@
                 </a:solidFill>
               </a:defRPr>
             </a:lvl6pPr>
-            <a:lvl7pPr marL="2377531" indent="0">
-              <a:buNone/>
-              <a:defRPr sz="1387">
+            <a:lvl7pPr marL="2468880" indent="0">
+              <a:buNone/>
+              <a:defRPr sz="1440">
                 <a:solidFill>
                   <a:schemeClr val="tx1">
                     <a:tint val="75000"/>
@@ -957,9 +962,9 @@
                 </a:solidFill>
               </a:defRPr>
             </a:lvl7pPr>
-            <a:lvl8pPr marL="2773787" indent="0">
-              <a:buNone/>
-              <a:defRPr sz="1387">
+            <a:lvl8pPr marL="2880360" indent="0">
+              <a:buNone/>
+              <a:defRPr sz="1440">
                 <a:solidFill>
                   <a:schemeClr val="tx1">
                     <a:tint val="75000"/>
@@ -967,9 +972,9 @@
                 </a:solidFill>
               </a:defRPr>
             </a:lvl8pPr>
-            <a:lvl9pPr marL="3170042" indent="0">
-              <a:buNone/>
-              <a:defRPr sz="1387">
+            <a:lvl9pPr marL="3291840" indent="0">
+              <a:buNone/>
+              <a:defRPr sz="1440">
                 <a:solidFill>
                   <a:schemeClr val="tx1">
                     <a:tint val="75000"/>
@@ -1004,7 +1009,7 @@
           <a:p>
             <a:fld id="{1A95B205-F163-8A4A-8B3F-D4F443FB412E}" type="datetimeFigureOut">
               <a:rPr lang="en-US" smtClean="0"/>
-              <a:t>8/17/23</a:t>
+              <a:t>8/19/23</a:t>
             </a:fld>
             <a:endParaRPr lang="en-US"/>
           </a:p>
@@ -1055,7 +1060,7 @@
     </p:spTree>
     <p:extLst>
       <p:ext uri="{BB962C8B-B14F-4D97-AF65-F5344CB8AC3E}">
-        <p14:creationId xmlns:p14="http://schemas.microsoft.com/office/powerpoint/2010/main" val="2352787250"/>
+        <p14:creationId xmlns:p14="http://schemas.microsoft.com/office/powerpoint/2010/main" val="3433364542"/>
       </p:ext>
     </p:extLst>
   </p:cSld>
@@ -1117,8 +1122,8 @@
         </p:nvSpPr>
         <p:spPr>
           <a:xfrm>
-            <a:off x="754380" y="1582208"/>
-            <a:ext cx="4663440" cy="3771160"/>
+            <a:off x="754380" y="1643063"/>
+            <a:ext cx="4663440" cy="3916204"/>
           </a:xfrm>
         </p:spPr>
         <p:txBody>
@@ -1174,8 +1179,8 @@
         </p:nvSpPr>
         <p:spPr>
           <a:xfrm>
-            <a:off x="5554980" y="1582208"/>
-            <a:ext cx="4663440" cy="3771160"/>
+            <a:off x="5554980" y="1643063"/>
+            <a:ext cx="4663440" cy="3916204"/>
           </a:xfrm>
         </p:spPr>
         <p:txBody>
@@ -1236,7 +1241,7 @@
           <a:p>
             <a:fld id="{1A95B205-F163-8A4A-8B3F-D4F443FB412E}" type="datetimeFigureOut">
               <a:rPr lang="en-US" smtClean="0"/>
-              <a:t>8/17/23</a:t>
+              <a:t>8/19/23</a:t>
             </a:fld>
             <a:endParaRPr lang="en-US"/>
           </a:p>
@@ -1287,7 +1292,7 @@
     </p:spTree>
     <p:extLst>
       <p:ext uri="{BB962C8B-B14F-4D97-AF65-F5344CB8AC3E}">
-        <p14:creationId xmlns:p14="http://schemas.microsoft.com/office/powerpoint/2010/main" val="3567214307"/>
+        <p14:creationId xmlns:p14="http://schemas.microsoft.com/office/powerpoint/2010/main" val="3554860509"/>
       </p:ext>
     </p:extLst>
   </p:cSld>
@@ -1326,8 +1331,8 @@
         </p:nvSpPr>
         <p:spPr>
           <a:xfrm>
-            <a:off x="755809" y="316442"/>
-            <a:ext cx="9464040" cy="1148821"/>
+            <a:off x="755809" y="328613"/>
+            <a:ext cx="9464040" cy="1193007"/>
           </a:xfrm>
         </p:spPr>
         <p:txBody>
@@ -1354,8 +1359,8 @@
         </p:nvSpPr>
         <p:spPr>
           <a:xfrm>
-            <a:off x="755810" y="1457008"/>
-            <a:ext cx="4642008" cy="714057"/>
+            <a:off x="755810" y="1513047"/>
+            <a:ext cx="4642008" cy="741521"/>
           </a:xfrm>
         </p:spPr>
         <p:txBody>
@@ -1363,39 +1368,39 @@
           <a:lstStyle>
             <a:lvl1pPr marL="0" indent="0">
               <a:buNone/>
-              <a:defRPr sz="2080" b="1"/>
+              <a:defRPr sz="2160" b="1"/>
             </a:lvl1pPr>
-            <a:lvl2pPr marL="396255" indent="0">
-              <a:buNone/>
-              <a:defRPr sz="1733" b="1"/>
+            <a:lvl2pPr marL="411480" indent="0">
+              <a:buNone/>
+              <a:defRPr sz="1800" b="1"/>
             </a:lvl2pPr>
-            <a:lvl3pPr marL="792510" indent="0">
-              <a:buNone/>
-              <a:defRPr sz="1560" b="1"/>
+            <a:lvl3pPr marL="822960" indent="0">
+              <a:buNone/>
+              <a:defRPr sz="1620" b="1"/>
             </a:lvl3pPr>
-            <a:lvl4pPr marL="1188766" indent="0">
-              <a:buNone/>
-              <a:defRPr sz="1387" b="1"/>
+            <a:lvl4pPr marL="1234440" indent="0">
+              <a:buNone/>
+              <a:defRPr sz="1440" b="1"/>
             </a:lvl4pPr>
-            <a:lvl5pPr marL="1585021" indent="0">
-              <a:buNone/>
-              <a:defRPr sz="1387" b="1"/>
+            <a:lvl5pPr marL="1645920" indent="0">
+              <a:buNone/>
+              <a:defRPr sz="1440" b="1"/>
             </a:lvl5pPr>
-            <a:lvl6pPr marL="1981276" indent="0">
-              <a:buNone/>
-              <a:defRPr sz="1387" b="1"/>
+            <a:lvl6pPr marL="2057400" indent="0">
+              <a:buNone/>
+              <a:defRPr sz="1440" b="1"/>
             </a:lvl6pPr>
-            <a:lvl7pPr marL="2377531" indent="0">
-              <a:buNone/>
-              <a:defRPr sz="1387" b="1"/>
+            <a:lvl7pPr marL="2468880" indent="0">
+              <a:buNone/>
+              <a:defRPr sz="1440" b="1"/>
             </a:lvl7pPr>
-            <a:lvl8pPr marL="2773787" indent="0">
-              <a:buNone/>
-              <a:defRPr sz="1387" b="1"/>
+            <a:lvl8pPr marL="2880360" indent="0">
+              <a:buNone/>
+              <a:defRPr sz="1440" b="1"/>
             </a:lvl8pPr>
-            <a:lvl9pPr marL="3170042" indent="0">
-              <a:buNone/>
-              <a:defRPr sz="1387" b="1"/>
+            <a:lvl9pPr marL="3291840" indent="0">
+              <a:buNone/>
+              <a:defRPr sz="1440" b="1"/>
             </a:lvl9pPr>
           </a:lstStyle>
           <a:p>
@@ -1419,8 +1424,8 @@
         </p:nvSpPr>
         <p:spPr>
           <a:xfrm>
-            <a:off x="755810" y="2171065"/>
-            <a:ext cx="4642008" cy="3193310"/>
+            <a:off x="755810" y="2254568"/>
+            <a:ext cx="4642008" cy="3316129"/>
           </a:xfrm>
         </p:spPr>
         <p:txBody>
@@ -1476,8 +1481,8 @@
         </p:nvSpPr>
         <p:spPr>
           <a:xfrm>
-            <a:off x="5554980" y="1457008"/>
-            <a:ext cx="4664869" cy="714057"/>
+            <a:off x="5554980" y="1513047"/>
+            <a:ext cx="4664869" cy="741521"/>
           </a:xfrm>
         </p:spPr>
         <p:txBody>
@@ -1485,39 +1490,39 @@
           <a:lstStyle>
             <a:lvl1pPr marL="0" indent="0">
               <a:buNone/>
-              <a:defRPr sz="2080" b="1"/>
+              <a:defRPr sz="2160" b="1"/>
             </a:lvl1pPr>
-            <a:lvl2pPr marL="396255" indent="0">
-              <a:buNone/>
-              <a:defRPr sz="1733" b="1"/>
+            <a:lvl2pPr marL="411480" indent="0">
+              <a:buNone/>
+              <a:defRPr sz="1800" b="1"/>
             </a:lvl2pPr>
-            <a:lvl3pPr marL="792510" indent="0">
-              <a:buNone/>
-              <a:defRPr sz="1560" b="1"/>
+            <a:lvl3pPr marL="822960" indent="0">
+              <a:buNone/>
+              <a:defRPr sz="1620" b="1"/>
             </a:lvl3pPr>
-            <a:lvl4pPr marL="1188766" indent="0">
-              <a:buNone/>
-              <a:defRPr sz="1387" b="1"/>
+            <a:lvl4pPr marL="1234440" indent="0">
+              <a:buNone/>
+              <a:defRPr sz="1440" b="1"/>
             </a:lvl4pPr>
-            <a:lvl5pPr marL="1585021" indent="0">
-              <a:buNone/>
-              <a:defRPr sz="1387" b="1"/>
+            <a:lvl5pPr marL="1645920" indent="0">
+              <a:buNone/>
+              <a:defRPr sz="1440" b="1"/>
             </a:lvl5pPr>
-            <a:lvl6pPr marL="1981276" indent="0">
-              <a:buNone/>
-              <a:defRPr sz="1387" b="1"/>
+            <a:lvl6pPr marL="2057400" indent="0">
+              <a:buNone/>
+              <a:defRPr sz="1440" b="1"/>
             </a:lvl6pPr>
-            <a:lvl7pPr marL="2377531" indent="0">
-              <a:buNone/>
-              <a:defRPr sz="1387" b="1"/>
+            <a:lvl7pPr marL="2468880" indent="0">
+              <a:buNone/>
+              <a:defRPr sz="1440" b="1"/>
             </a:lvl7pPr>
-            <a:lvl8pPr marL="2773787" indent="0">
-              <a:buNone/>
-              <a:defRPr sz="1387" b="1"/>
+            <a:lvl8pPr marL="2880360" indent="0">
+              <a:buNone/>
+              <a:defRPr sz="1440" b="1"/>
             </a:lvl8pPr>
-            <a:lvl9pPr marL="3170042" indent="0">
-              <a:buNone/>
-              <a:defRPr sz="1387" b="1"/>
+            <a:lvl9pPr marL="3291840" indent="0">
+              <a:buNone/>
+              <a:defRPr sz="1440" b="1"/>
             </a:lvl9pPr>
           </a:lstStyle>
           <a:p>
@@ -1541,8 +1546,8 @@
         </p:nvSpPr>
         <p:spPr>
           <a:xfrm>
-            <a:off x="5554980" y="2171065"/>
-            <a:ext cx="4664869" cy="3193310"/>
+            <a:off x="5554980" y="2254568"/>
+            <a:ext cx="4664869" cy="3316129"/>
           </a:xfrm>
         </p:spPr>
         <p:txBody>
@@ -1603,7 +1608,7 @@
           <a:p>
             <a:fld id="{1A95B205-F163-8A4A-8B3F-D4F443FB412E}" type="datetimeFigureOut">
               <a:rPr lang="en-US" smtClean="0"/>
-              <a:t>8/17/23</a:t>
+              <a:t>8/19/23</a:t>
             </a:fld>
             <a:endParaRPr lang="en-US"/>
           </a:p>
@@ -1654,7 +1659,7 @@
     </p:spTree>
     <p:extLst>
       <p:ext uri="{BB962C8B-B14F-4D97-AF65-F5344CB8AC3E}">
-        <p14:creationId xmlns:p14="http://schemas.microsoft.com/office/powerpoint/2010/main" val="588518924"/>
+        <p14:creationId xmlns:p14="http://schemas.microsoft.com/office/powerpoint/2010/main" val="750244912"/>
       </p:ext>
     </p:extLst>
   </p:cSld>
@@ -1721,7 +1726,7 @@
           <a:p>
             <a:fld id="{1A95B205-F163-8A4A-8B3F-D4F443FB412E}" type="datetimeFigureOut">
               <a:rPr lang="en-US" smtClean="0"/>
-              <a:t>8/17/23</a:t>
+              <a:t>8/19/23</a:t>
             </a:fld>
             <a:endParaRPr lang="en-US"/>
           </a:p>
@@ -1772,7 +1777,7 @@
     </p:spTree>
     <p:extLst>
       <p:ext uri="{BB962C8B-B14F-4D97-AF65-F5344CB8AC3E}">
-        <p14:creationId xmlns:p14="http://schemas.microsoft.com/office/powerpoint/2010/main" val="556110856"/>
+        <p14:creationId xmlns:p14="http://schemas.microsoft.com/office/powerpoint/2010/main" val="2434215927"/>
       </p:ext>
     </p:extLst>
   </p:cSld>
@@ -1816,7 +1821,7 @@
           <a:p>
             <a:fld id="{1A95B205-F163-8A4A-8B3F-D4F443FB412E}" type="datetimeFigureOut">
               <a:rPr lang="en-US" smtClean="0"/>
-              <a:t>8/17/23</a:t>
+              <a:t>8/19/23</a:t>
             </a:fld>
             <a:endParaRPr lang="en-US"/>
           </a:p>
@@ -1867,7 +1872,7 @@
     </p:spTree>
     <p:extLst>
       <p:ext uri="{BB962C8B-B14F-4D97-AF65-F5344CB8AC3E}">
-        <p14:creationId xmlns:p14="http://schemas.microsoft.com/office/powerpoint/2010/main" val="2670247177"/>
+        <p14:creationId xmlns:p14="http://schemas.microsoft.com/office/powerpoint/2010/main" val="3625365926"/>
       </p:ext>
     </p:extLst>
   </p:cSld>
@@ -1906,15 +1911,15 @@
         </p:nvSpPr>
         <p:spPr>
           <a:xfrm>
-            <a:off x="755810" y="396240"/>
-            <a:ext cx="3539013" cy="1386840"/>
+            <a:off x="755810" y="411480"/>
+            <a:ext cx="3539013" cy="1440180"/>
           </a:xfrm>
         </p:spPr>
         <p:txBody>
           <a:bodyPr anchor="b"/>
           <a:lstStyle>
             <a:lvl1pPr>
-              <a:defRPr sz="2773"/>
+              <a:defRPr sz="2880"/>
             </a:lvl1pPr>
           </a:lstStyle>
           <a:p>
@@ -1938,39 +1943,39 @@
         </p:nvSpPr>
         <p:spPr>
           <a:xfrm>
-            <a:off x="4664869" y="855769"/>
-            <a:ext cx="5554980" cy="4223808"/>
+            <a:off x="4664869" y="888683"/>
+            <a:ext cx="5554980" cy="4386263"/>
           </a:xfrm>
         </p:spPr>
         <p:txBody>
           <a:bodyPr/>
           <a:lstStyle>
             <a:lvl1pPr>
-              <a:defRPr sz="2773"/>
+              <a:defRPr sz="2880"/>
             </a:lvl1pPr>
             <a:lvl2pPr>
-              <a:defRPr sz="2427"/>
+              <a:defRPr sz="2520"/>
             </a:lvl2pPr>
             <a:lvl3pPr>
-              <a:defRPr sz="2080"/>
+              <a:defRPr sz="2160"/>
             </a:lvl3pPr>
             <a:lvl4pPr>
-              <a:defRPr sz="1733"/>
+              <a:defRPr sz="1800"/>
             </a:lvl4pPr>
             <a:lvl5pPr>
-              <a:defRPr sz="1733"/>
+              <a:defRPr sz="1800"/>
             </a:lvl5pPr>
             <a:lvl6pPr>
-              <a:defRPr sz="1733"/>
+              <a:defRPr sz="1800"/>
             </a:lvl6pPr>
             <a:lvl7pPr>
-              <a:defRPr sz="1733"/>
+              <a:defRPr sz="1800"/>
             </a:lvl7pPr>
             <a:lvl8pPr>
-              <a:defRPr sz="1733"/>
+              <a:defRPr sz="1800"/>
             </a:lvl8pPr>
             <a:lvl9pPr>
-              <a:defRPr sz="1733"/>
+              <a:defRPr sz="1800"/>
             </a:lvl9pPr>
           </a:lstStyle>
           <a:p>
@@ -2023,8 +2028,8 @@
         </p:nvSpPr>
         <p:spPr>
           <a:xfrm>
-            <a:off x="755810" y="1783080"/>
-            <a:ext cx="3539013" cy="3303376"/>
+            <a:off x="755810" y="1851660"/>
+            <a:ext cx="3539013" cy="3430429"/>
           </a:xfrm>
         </p:spPr>
         <p:txBody>
@@ -2032,39 +2037,39 @@
           <a:lstStyle>
             <a:lvl1pPr marL="0" indent="0">
               <a:buNone/>
-              <a:defRPr sz="1387"/>
+              <a:defRPr sz="1440"/>
             </a:lvl1pPr>
-            <a:lvl2pPr marL="396255" indent="0">
-              <a:buNone/>
-              <a:defRPr sz="1213"/>
+            <a:lvl2pPr marL="411480" indent="0">
+              <a:buNone/>
+              <a:defRPr sz="1260"/>
             </a:lvl2pPr>
-            <a:lvl3pPr marL="792510" indent="0">
-              <a:buNone/>
-              <a:defRPr sz="1040"/>
+            <a:lvl3pPr marL="822960" indent="0">
+              <a:buNone/>
+              <a:defRPr sz="1080"/>
             </a:lvl3pPr>
-            <a:lvl4pPr marL="1188766" indent="0">
-              <a:buNone/>
-              <a:defRPr sz="867"/>
+            <a:lvl4pPr marL="1234440" indent="0">
+              <a:buNone/>
+              <a:defRPr sz="900"/>
             </a:lvl4pPr>
-            <a:lvl5pPr marL="1585021" indent="0">
-              <a:buNone/>
-              <a:defRPr sz="867"/>
+            <a:lvl5pPr marL="1645920" indent="0">
+              <a:buNone/>
+              <a:defRPr sz="900"/>
             </a:lvl5pPr>
-            <a:lvl6pPr marL="1981276" indent="0">
-              <a:buNone/>
-              <a:defRPr sz="867"/>
+            <a:lvl6pPr marL="2057400" indent="0">
+              <a:buNone/>
+              <a:defRPr sz="900"/>
             </a:lvl6pPr>
-            <a:lvl7pPr marL="2377531" indent="0">
-              <a:buNone/>
-              <a:defRPr sz="867"/>
+            <a:lvl7pPr marL="2468880" indent="0">
+              <a:buNone/>
+              <a:defRPr sz="900"/>
             </a:lvl7pPr>
-            <a:lvl8pPr marL="2773787" indent="0">
-              <a:buNone/>
-              <a:defRPr sz="867"/>
+            <a:lvl8pPr marL="2880360" indent="0">
+              <a:buNone/>
+              <a:defRPr sz="900"/>
             </a:lvl8pPr>
-            <a:lvl9pPr marL="3170042" indent="0">
-              <a:buNone/>
-              <a:defRPr sz="867"/>
+            <a:lvl9pPr marL="3291840" indent="0">
+              <a:buNone/>
+              <a:defRPr sz="900"/>
             </a:lvl9pPr>
           </a:lstStyle>
           <a:p>
@@ -2093,7 +2098,7 @@
           <a:p>
             <a:fld id="{1A95B205-F163-8A4A-8B3F-D4F443FB412E}" type="datetimeFigureOut">
               <a:rPr lang="en-US" smtClean="0"/>
-              <a:t>8/17/23</a:t>
+              <a:t>8/19/23</a:t>
             </a:fld>
             <a:endParaRPr lang="en-US"/>
           </a:p>
@@ -2144,7 +2149,7 @@
     </p:spTree>
     <p:extLst>
       <p:ext uri="{BB962C8B-B14F-4D97-AF65-F5344CB8AC3E}">
-        <p14:creationId xmlns:p14="http://schemas.microsoft.com/office/powerpoint/2010/main" val="1675697253"/>
+        <p14:creationId xmlns:p14="http://schemas.microsoft.com/office/powerpoint/2010/main" val="3123398334"/>
       </p:ext>
     </p:extLst>
   </p:cSld>
@@ -2183,15 +2188,15 @@
         </p:nvSpPr>
         <p:spPr>
           <a:xfrm>
-            <a:off x="755810" y="396240"/>
-            <a:ext cx="3539013" cy="1386840"/>
+            <a:off x="755810" y="411480"/>
+            <a:ext cx="3539013" cy="1440180"/>
           </a:xfrm>
         </p:spPr>
         <p:txBody>
           <a:bodyPr anchor="b"/>
           <a:lstStyle>
             <a:lvl1pPr>
-              <a:defRPr sz="2773"/>
+              <a:defRPr sz="2880"/>
             </a:lvl1pPr>
           </a:lstStyle>
           <a:p>
@@ -2215,8 +2220,8 @@
         </p:nvSpPr>
         <p:spPr>
           <a:xfrm>
-            <a:off x="4664869" y="855769"/>
-            <a:ext cx="5554980" cy="4223808"/>
+            <a:off x="4664869" y="888683"/>
+            <a:ext cx="5554980" cy="4386263"/>
           </a:xfrm>
         </p:spPr>
         <p:txBody>
@@ -2224,39 +2229,39 @@
           <a:lstStyle>
             <a:lvl1pPr marL="0" indent="0">
               <a:buNone/>
-              <a:defRPr sz="2773"/>
+              <a:defRPr sz="2880"/>
             </a:lvl1pPr>
-            <a:lvl2pPr marL="396255" indent="0">
-              <a:buNone/>
-              <a:defRPr sz="2427"/>
+            <a:lvl2pPr marL="411480" indent="0">
+              <a:buNone/>
+              <a:defRPr sz="2520"/>
             </a:lvl2pPr>
-            <a:lvl3pPr marL="792510" indent="0">
-              <a:buNone/>
-              <a:defRPr sz="2080"/>
+            <a:lvl3pPr marL="822960" indent="0">
+              <a:buNone/>
+              <a:defRPr sz="2160"/>
             </a:lvl3pPr>
-            <a:lvl4pPr marL="1188766" indent="0">
-              <a:buNone/>
-              <a:defRPr sz="1733"/>
+            <a:lvl4pPr marL="1234440" indent="0">
+              <a:buNone/>
+              <a:defRPr sz="1800"/>
             </a:lvl4pPr>
-            <a:lvl5pPr marL="1585021" indent="0">
-              <a:buNone/>
-              <a:defRPr sz="1733"/>
+            <a:lvl5pPr marL="1645920" indent="0">
+              <a:buNone/>
+              <a:defRPr sz="1800"/>
             </a:lvl5pPr>
-            <a:lvl6pPr marL="1981276" indent="0">
-              <a:buNone/>
-              <a:defRPr sz="1733"/>
+            <a:lvl6pPr marL="2057400" indent="0">
+              <a:buNone/>
+              <a:defRPr sz="1800"/>
             </a:lvl6pPr>
-            <a:lvl7pPr marL="2377531" indent="0">
-              <a:buNone/>
-              <a:defRPr sz="1733"/>
+            <a:lvl7pPr marL="2468880" indent="0">
+              <a:buNone/>
+              <a:defRPr sz="1800"/>
             </a:lvl7pPr>
-            <a:lvl8pPr marL="2773787" indent="0">
-              <a:buNone/>
-              <a:defRPr sz="1733"/>
+            <a:lvl8pPr marL="2880360" indent="0">
+              <a:buNone/>
+              <a:defRPr sz="1800"/>
             </a:lvl8pPr>
-            <a:lvl9pPr marL="3170042" indent="0">
-              <a:buNone/>
-              <a:defRPr sz="1733"/>
+            <a:lvl9pPr marL="3291840" indent="0">
+              <a:buNone/>
+              <a:defRPr sz="1800"/>
             </a:lvl9pPr>
           </a:lstStyle>
           <a:p>
@@ -2280,8 +2285,8 @@
         </p:nvSpPr>
         <p:spPr>
           <a:xfrm>
-            <a:off x="755810" y="1783080"/>
-            <a:ext cx="3539013" cy="3303376"/>
+            <a:off x="755810" y="1851660"/>
+            <a:ext cx="3539013" cy="3430429"/>
           </a:xfrm>
         </p:spPr>
         <p:txBody>
@@ -2289,39 +2294,39 @@
           <a:lstStyle>
             <a:lvl1pPr marL="0" indent="0">
               <a:buNone/>
-              <a:defRPr sz="1387"/>
+              <a:defRPr sz="1440"/>
             </a:lvl1pPr>
-            <a:lvl2pPr marL="396255" indent="0">
-              <a:buNone/>
-              <a:defRPr sz="1213"/>
+            <a:lvl2pPr marL="411480" indent="0">
+              <a:buNone/>
+              <a:defRPr sz="1260"/>
             </a:lvl2pPr>
-            <a:lvl3pPr marL="792510" indent="0">
-              <a:buNone/>
-              <a:defRPr sz="1040"/>
+            <a:lvl3pPr marL="822960" indent="0">
+              <a:buNone/>
+              <a:defRPr sz="1080"/>
             </a:lvl3pPr>
-            <a:lvl4pPr marL="1188766" indent="0">
-              <a:buNone/>
-              <a:defRPr sz="867"/>
+            <a:lvl4pPr marL="1234440" indent="0">
+              <a:buNone/>
+              <a:defRPr sz="900"/>
             </a:lvl4pPr>
-            <a:lvl5pPr marL="1585021" indent="0">
-              <a:buNone/>
-              <a:defRPr sz="867"/>
+            <a:lvl5pPr marL="1645920" indent="0">
+              <a:buNone/>
+              <a:defRPr sz="900"/>
             </a:lvl5pPr>
-            <a:lvl6pPr marL="1981276" indent="0">
-              <a:buNone/>
-              <a:defRPr sz="867"/>
+            <a:lvl6pPr marL="2057400" indent="0">
+              <a:buNone/>
+              <a:defRPr sz="900"/>
             </a:lvl6pPr>
-            <a:lvl7pPr marL="2377531" indent="0">
-              <a:buNone/>
-              <a:defRPr sz="867"/>
+            <a:lvl7pPr marL="2468880" indent="0">
+              <a:buNone/>
+              <a:defRPr sz="900"/>
             </a:lvl7pPr>
-            <a:lvl8pPr marL="2773787" indent="0">
-              <a:buNone/>
-              <a:defRPr sz="867"/>
+            <a:lvl8pPr marL="2880360" indent="0">
+              <a:buNone/>
+              <a:defRPr sz="900"/>
             </a:lvl8pPr>
-            <a:lvl9pPr marL="3170042" indent="0">
-              <a:buNone/>
-              <a:defRPr sz="867"/>
+            <a:lvl9pPr marL="3291840" indent="0">
+              <a:buNone/>
+              <a:defRPr sz="900"/>
             </a:lvl9pPr>
           </a:lstStyle>
           <a:p>
@@ -2350,7 +2355,7 @@
           <a:p>
             <a:fld id="{1A95B205-F163-8A4A-8B3F-D4F443FB412E}" type="datetimeFigureOut">
               <a:rPr lang="en-US" smtClean="0"/>
-              <a:t>8/17/23</a:t>
+              <a:t>8/19/23</a:t>
             </a:fld>
             <a:endParaRPr lang="en-US"/>
           </a:p>
@@ -2401,7 +2406,7 @@
     </p:spTree>
     <p:extLst>
       <p:ext uri="{BB962C8B-B14F-4D97-AF65-F5344CB8AC3E}">
-        <p14:creationId xmlns:p14="http://schemas.microsoft.com/office/powerpoint/2010/main" val="3416515316"/>
+        <p14:creationId xmlns:p14="http://schemas.microsoft.com/office/powerpoint/2010/main" val="71320007"/>
       </p:ext>
     </p:extLst>
   </p:cSld>
@@ -2445,8 +2450,8 @@
         </p:nvSpPr>
         <p:spPr>
           <a:xfrm>
-            <a:off x="754380" y="316442"/>
-            <a:ext cx="9464040" cy="1148821"/>
+            <a:off x="754380" y="328613"/>
+            <a:ext cx="9464040" cy="1193007"/>
           </a:xfrm>
           <a:prstGeom prst="rect">
             <a:avLst/>
@@ -2478,8 +2483,8 @@
         </p:nvSpPr>
         <p:spPr>
           <a:xfrm>
-            <a:off x="754380" y="1582208"/>
-            <a:ext cx="9464040" cy="3771160"/>
+            <a:off x="754380" y="1643063"/>
+            <a:ext cx="9464040" cy="3916204"/>
           </a:xfrm>
           <a:prstGeom prst="rect">
             <a:avLst/>
@@ -2540,8 +2545,8 @@
         </p:nvSpPr>
         <p:spPr>
           <a:xfrm>
-            <a:off x="754380" y="5508837"/>
-            <a:ext cx="2468880" cy="316442"/>
+            <a:off x="754380" y="5720715"/>
+            <a:ext cx="2468880" cy="328613"/>
           </a:xfrm>
           <a:prstGeom prst="rect">
             <a:avLst/>
@@ -2551,7 +2556,7 @@
           <a:bodyPr vert="horz" lIns="91440" tIns="45720" rIns="91440" bIns="45720" rtlCol="0" anchor="ctr"/>
           <a:lstStyle>
             <a:lvl1pPr algn="l">
-              <a:defRPr sz="1040">
+              <a:defRPr sz="1080">
                 <a:solidFill>
                   <a:schemeClr val="tx1">
                     <a:tint val="75000"/>
@@ -2563,7 +2568,7 @@
           <a:p>
             <a:fld id="{1A95B205-F163-8A4A-8B3F-D4F443FB412E}" type="datetimeFigureOut">
               <a:rPr lang="en-US" smtClean="0"/>
-              <a:t>8/17/23</a:t>
+              <a:t>8/19/23</a:t>
             </a:fld>
             <a:endParaRPr lang="en-US"/>
           </a:p>
@@ -2581,8 +2586,8 @@
         </p:nvSpPr>
         <p:spPr>
           <a:xfrm>
-            <a:off x="3634740" y="5508837"/>
-            <a:ext cx="3703320" cy="316442"/>
+            <a:off x="3634740" y="5720715"/>
+            <a:ext cx="3703320" cy="328613"/>
           </a:xfrm>
           <a:prstGeom prst="rect">
             <a:avLst/>
@@ -2592,7 +2597,7 @@
           <a:bodyPr vert="horz" lIns="91440" tIns="45720" rIns="91440" bIns="45720" rtlCol="0" anchor="ctr"/>
           <a:lstStyle>
             <a:lvl1pPr algn="ctr">
-              <a:defRPr sz="1040">
+              <a:defRPr sz="1080">
                 <a:solidFill>
                   <a:schemeClr val="tx1">
                     <a:tint val="75000"/>
@@ -2618,8 +2623,8 @@
         </p:nvSpPr>
         <p:spPr>
           <a:xfrm>
-            <a:off x="7749540" y="5508837"/>
-            <a:ext cx="2468880" cy="316442"/>
+            <a:off x="7749540" y="5720715"/>
+            <a:ext cx="2468880" cy="328613"/>
           </a:xfrm>
           <a:prstGeom prst="rect">
             <a:avLst/>
@@ -2629,7 +2634,7 @@
           <a:bodyPr vert="horz" lIns="91440" tIns="45720" rIns="91440" bIns="45720" rtlCol="0" anchor="ctr"/>
           <a:lstStyle>
             <a:lvl1pPr algn="r">
-              <a:defRPr sz="1040">
+              <a:defRPr sz="1080">
                 <a:solidFill>
                   <a:schemeClr val="tx1">
                     <a:tint val="75000"/>
@@ -2650,27 +2655,27 @@
     </p:spTree>
     <p:extLst>
       <p:ext uri="{BB962C8B-B14F-4D97-AF65-F5344CB8AC3E}">
-        <p14:creationId xmlns:p14="http://schemas.microsoft.com/office/powerpoint/2010/main" val="1733796506"/>
+        <p14:creationId xmlns:p14="http://schemas.microsoft.com/office/powerpoint/2010/main" val="2990464044"/>
       </p:ext>
     </p:extLst>
   </p:cSld>
   <p:clrMap bg1="lt1" tx1="dk1" bg2="lt2" tx2="dk2" accent1="accent1" accent2="accent2" accent3="accent3" accent4="accent4" accent5="accent5" accent6="accent6" hlink="hlink" folHlink="folHlink"/>
   <p:sldLayoutIdLst>
-    <p:sldLayoutId id="2147483661" r:id="rId1"/>
-    <p:sldLayoutId id="2147483662" r:id="rId2"/>
-    <p:sldLayoutId id="2147483663" r:id="rId3"/>
-    <p:sldLayoutId id="2147483664" r:id="rId4"/>
-    <p:sldLayoutId id="2147483665" r:id="rId5"/>
-    <p:sldLayoutId id="2147483666" r:id="rId6"/>
-    <p:sldLayoutId id="2147483667" r:id="rId7"/>
-    <p:sldLayoutId id="2147483668" r:id="rId8"/>
-    <p:sldLayoutId id="2147483669" r:id="rId9"/>
-    <p:sldLayoutId id="2147483670" r:id="rId10"/>
-    <p:sldLayoutId id="2147483671" r:id="rId11"/>
+    <p:sldLayoutId id="2147483673" r:id="rId1"/>
+    <p:sldLayoutId id="2147483674" r:id="rId2"/>
+    <p:sldLayoutId id="2147483675" r:id="rId3"/>
+    <p:sldLayoutId id="2147483676" r:id="rId4"/>
+    <p:sldLayoutId id="2147483677" r:id="rId5"/>
+    <p:sldLayoutId id="2147483678" r:id="rId6"/>
+    <p:sldLayoutId id="2147483679" r:id="rId7"/>
+    <p:sldLayoutId id="2147483680" r:id="rId8"/>
+    <p:sldLayoutId id="2147483681" r:id="rId9"/>
+    <p:sldLayoutId id="2147483682" r:id="rId10"/>
+    <p:sldLayoutId id="2147483683" r:id="rId11"/>
   </p:sldLayoutIdLst>
   <p:txStyles>
     <p:titleStyle>
-      <a:lvl1pPr algn="l" defTabSz="792510" rtl="0" eaLnBrk="1" latinLnBrk="0" hangingPunct="1">
+      <a:lvl1pPr algn="l" defTabSz="822960" rtl="0" eaLnBrk="1" latinLnBrk="0" hangingPunct="1">
         <a:lnSpc>
           <a:spcPct val="90000"/>
         </a:lnSpc>
@@ -2678,7 +2683,7 @@
           <a:spcPct val="0"/>
         </a:spcBef>
         <a:buNone/>
-        <a:defRPr sz="3813" kern="1200">
+        <a:defRPr sz="3960" kern="1200">
           <a:solidFill>
             <a:schemeClr val="tx1"/>
           </a:solidFill>
@@ -2689,16 +2694,16 @@
       </a:lvl1pPr>
     </p:titleStyle>
     <p:bodyStyle>
-      <a:lvl1pPr marL="198128" indent="-198128" algn="l" defTabSz="792510" rtl="0" eaLnBrk="1" latinLnBrk="0" hangingPunct="1">
+      <a:lvl1pPr marL="205740" indent="-205740" algn="l" defTabSz="822960" rtl="0" eaLnBrk="1" latinLnBrk="0" hangingPunct="1">
         <a:lnSpc>
           <a:spcPct val="90000"/>
         </a:lnSpc>
         <a:spcBef>
-          <a:spcPts val="867"/>
+          <a:spcPts val="900"/>
         </a:spcBef>
         <a:buFont typeface="Arial" panose="020B0604020202020204" pitchFamily="34" charset="0"/>
         <a:buChar char="•"/>
-        <a:defRPr sz="2427" kern="1200">
+        <a:defRPr sz="2520" kern="1200">
           <a:solidFill>
             <a:schemeClr val="tx1"/>
           </a:solidFill>
@@ -2707,16 +2712,16 @@
           <a:cs typeface="+mn-cs"/>
         </a:defRPr>
       </a:lvl1pPr>
-      <a:lvl2pPr marL="594383" indent="-198128" algn="l" defTabSz="792510" rtl="0" eaLnBrk="1" latinLnBrk="0" hangingPunct="1">
+      <a:lvl2pPr marL="617220" indent="-205740" algn="l" defTabSz="822960" rtl="0" eaLnBrk="1" latinLnBrk="0" hangingPunct="1">
         <a:lnSpc>
           <a:spcPct val="90000"/>
         </a:lnSpc>
         <a:spcBef>
-          <a:spcPts val="433"/>
+          <a:spcPts val="450"/>
         </a:spcBef>
         <a:buFont typeface="Arial" panose="020B0604020202020204" pitchFamily="34" charset="0"/>
         <a:buChar char="•"/>
-        <a:defRPr sz="2080" kern="1200">
+        <a:defRPr sz="2160" kern="1200">
           <a:solidFill>
             <a:schemeClr val="tx1"/>
           </a:solidFill>
@@ -2725,16 +2730,16 @@
           <a:cs typeface="+mn-cs"/>
         </a:defRPr>
       </a:lvl2pPr>
-      <a:lvl3pPr marL="990638" indent="-198128" algn="l" defTabSz="792510" rtl="0" eaLnBrk="1" latinLnBrk="0" hangingPunct="1">
+      <a:lvl3pPr marL="1028700" indent="-205740" algn="l" defTabSz="822960" rtl="0" eaLnBrk="1" latinLnBrk="0" hangingPunct="1">
         <a:lnSpc>
           <a:spcPct val="90000"/>
         </a:lnSpc>
         <a:spcBef>
-          <a:spcPts val="433"/>
+          <a:spcPts val="450"/>
         </a:spcBef>
         <a:buFont typeface="Arial" panose="020B0604020202020204" pitchFamily="34" charset="0"/>
         <a:buChar char="•"/>
-        <a:defRPr sz="1733" kern="1200">
+        <a:defRPr sz="1800" kern="1200">
           <a:solidFill>
             <a:schemeClr val="tx1"/>
           </a:solidFill>
@@ -2743,16 +2748,16 @@
           <a:cs typeface="+mn-cs"/>
         </a:defRPr>
       </a:lvl3pPr>
-      <a:lvl4pPr marL="1386893" indent="-198128" algn="l" defTabSz="792510" rtl="0" eaLnBrk="1" latinLnBrk="0" hangingPunct="1">
+      <a:lvl4pPr marL="1440180" indent="-205740" algn="l" defTabSz="822960" rtl="0" eaLnBrk="1" latinLnBrk="0" hangingPunct="1">
         <a:lnSpc>
           <a:spcPct val="90000"/>
         </a:lnSpc>
         <a:spcBef>
-          <a:spcPts val="433"/>
+          <a:spcPts val="450"/>
         </a:spcBef>
         <a:buFont typeface="Arial" panose="020B0604020202020204" pitchFamily="34" charset="0"/>
         <a:buChar char="•"/>
-        <a:defRPr sz="1560" kern="1200">
+        <a:defRPr sz="1620" kern="1200">
           <a:solidFill>
             <a:schemeClr val="tx1"/>
           </a:solidFill>
@@ -2761,16 +2766,16 @@
           <a:cs typeface="+mn-cs"/>
         </a:defRPr>
       </a:lvl4pPr>
-      <a:lvl5pPr marL="1783149" indent="-198128" algn="l" defTabSz="792510" rtl="0" eaLnBrk="1" latinLnBrk="0" hangingPunct="1">
+      <a:lvl5pPr marL="1851660" indent="-205740" algn="l" defTabSz="822960" rtl="0" eaLnBrk="1" latinLnBrk="0" hangingPunct="1">
         <a:lnSpc>
           <a:spcPct val="90000"/>
         </a:lnSpc>
         <a:spcBef>
-          <a:spcPts val="433"/>
+          <a:spcPts val="450"/>
         </a:spcBef>
         <a:buFont typeface="Arial" panose="020B0604020202020204" pitchFamily="34" charset="0"/>
         <a:buChar char="•"/>
-        <a:defRPr sz="1560" kern="1200">
+        <a:defRPr sz="1620" kern="1200">
           <a:solidFill>
             <a:schemeClr val="tx1"/>
           </a:solidFill>
@@ -2779,16 +2784,16 @@
           <a:cs typeface="+mn-cs"/>
         </a:defRPr>
       </a:lvl5pPr>
-      <a:lvl6pPr marL="2179404" indent="-198128" algn="l" defTabSz="792510" rtl="0" eaLnBrk="1" latinLnBrk="0" hangingPunct="1">
+      <a:lvl6pPr marL="2263140" indent="-205740" algn="l" defTabSz="822960" rtl="0" eaLnBrk="1" latinLnBrk="0" hangingPunct="1">
         <a:lnSpc>
           <a:spcPct val="90000"/>
         </a:lnSpc>
         <a:spcBef>
-          <a:spcPts val="433"/>
+          <a:spcPts val="450"/>
         </a:spcBef>
         <a:buFont typeface="Arial" panose="020B0604020202020204" pitchFamily="34" charset="0"/>
         <a:buChar char="•"/>
-        <a:defRPr sz="1560" kern="1200">
+        <a:defRPr sz="1620" kern="1200">
           <a:solidFill>
             <a:schemeClr val="tx1"/>
           </a:solidFill>
@@ -2797,16 +2802,16 @@
           <a:cs typeface="+mn-cs"/>
         </a:defRPr>
       </a:lvl6pPr>
-      <a:lvl7pPr marL="2575659" indent="-198128" algn="l" defTabSz="792510" rtl="0" eaLnBrk="1" latinLnBrk="0" hangingPunct="1">
+      <a:lvl7pPr marL="2674620" indent="-205740" algn="l" defTabSz="822960" rtl="0" eaLnBrk="1" latinLnBrk="0" hangingPunct="1">
         <a:lnSpc>
           <a:spcPct val="90000"/>
         </a:lnSpc>
         <a:spcBef>
-          <a:spcPts val="433"/>
+          <a:spcPts val="450"/>
         </a:spcBef>
         <a:buFont typeface="Arial" panose="020B0604020202020204" pitchFamily="34" charset="0"/>
         <a:buChar char="•"/>
-        <a:defRPr sz="1560" kern="1200">
+        <a:defRPr sz="1620" kern="1200">
           <a:solidFill>
             <a:schemeClr val="tx1"/>
           </a:solidFill>
@@ -2815,16 +2820,16 @@
           <a:cs typeface="+mn-cs"/>
         </a:defRPr>
       </a:lvl7pPr>
-      <a:lvl8pPr marL="2971914" indent="-198128" algn="l" defTabSz="792510" rtl="0" eaLnBrk="1" latinLnBrk="0" hangingPunct="1">
+      <a:lvl8pPr marL="3086100" indent="-205740" algn="l" defTabSz="822960" rtl="0" eaLnBrk="1" latinLnBrk="0" hangingPunct="1">
         <a:lnSpc>
           <a:spcPct val="90000"/>
         </a:lnSpc>
         <a:spcBef>
-          <a:spcPts val="433"/>
+          <a:spcPts val="450"/>
         </a:spcBef>
         <a:buFont typeface="Arial" panose="020B0604020202020204" pitchFamily="34" charset="0"/>
         <a:buChar char="•"/>
-        <a:defRPr sz="1560" kern="1200">
+        <a:defRPr sz="1620" kern="1200">
           <a:solidFill>
             <a:schemeClr val="tx1"/>
           </a:solidFill>
@@ -2833,16 +2838,16 @@
           <a:cs typeface="+mn-cs"/>
         </a:defRPr>
       </a:lvl8pPr>
-      <a:lvl9pPr marL="3368170" indent="-198128" algn="l" defTabSz="792510" rtl="0" eaLnBrk="1" latinLnBrk="0" hangingPunct="1">
+      <a:lvl9pPr marL="3497580" indent="-205740" algn="l" defTabSz="822960" rtl="0" eaLnBrk="1" latinLnBrk="0" hangingPunct="1">
         <a:lnSpc>
           <a:spcPct val="90000"/>
         </a:lnSpc>
         <a:spcBef>
-          <a:spcPts val="433"/>
+          <a:spcPts val="450"/>
         </a:spcBef>
         <a:buFont typeface="Arial" panose="020B0604020202020204" pitchFamily="34" charset="0"/>
         <a:buChar char="•"/>
-        <a:defRPr sz="1560" kern="1200">
+        <a:defRPr sz="1620" kern="1200">
           <a:solidFill>
             <a:schemeClr val="tx1"/>
           </a:solidFill>
@@ -2856,8 +2861,8 @@
       <a:defPPr>
         <a:defRPr lang="en-US"/>
       </a:defPPr>
-      <a:lvl1pPr marL="0" algn="l" defTabSz="792510" rtl="0" eaLnBrk="1" latinLnBrk="0" hangingPunct="1">
-        <a:defRPr sz="1560" kern="1200">
+      <a:lvl1pPr marL="0" algn="l" defTabSz="822960" rtl="0" eaLnBrk="1" latinLnBrk="0" hangingPunct="1">
+        <a:defRPr sz="1620" kern="1200">
           <a:solidFill>
             <a:schemeClr val="tx1"/>
           </a:solidFill>
@@ -2866,8 +2871,8 @@
           <a:cs typeface="+mn-cs"/>
         </a:defRPr>
       </a:lvl1pPr>
-      <a:lvl2pPr marL="396255" algn="l" defTabSz="792510" rtl="0" eaLnBrk="1" latinLnBrk="0" hangingPunct="1">
-        <a:defRPr sz="1560" kern="1200">
+      <a:lvl2pPr marL="411480" algn="l" defTabSz="822960" rtl="0" eaLnBrk="1" latinLnBrk="0" hangingPunct="1">
+        <a:defRPr sz="1620" kern="1200">
           <a:solidFill>
             <a:schemeClr val="tx1"/>
           </a:solidFill>
@@ -2876,8 +2881,8 @@
           <a:cs typeface="+mn-cs"/>
         </a:defRPr>
       </a:lvl2pPr>
-      <a:lvl3pPr marL="792510" algn="l" defTabSz="792510" rtl="0" eaLnBrk="1" latinLnBrk="0" hangingPunct="1">
-        <a:defRPr sz="1560" kern="1200">
+      <a:lvl3pPr marL="822960" algn="l" defTabSz="822960" rtl="0" eaLnBrk="1" latinLnBrk="0" hangingPunct="1">
+        <a:defRPr sz="1620" kern="1200">
           <a:solidFill>
             <a:schemeClr val="tx1"/>
           </a:solidFill>
@@ -2886,8 +2891,8 @@
           <a:cs typeface="+mn-cs"/>
         </a:defRPr>
       </a:lvl3pPr>
-      <a:lvl4pPr marL="1188766" algn="l" defTabSz="792510" rtl="0" eaLnBrk="1" latinLnBrk="0" hangingPunct="1">
-        <a:defRPr sz="1560" kern="1200">
+      <a:lvl4pPr marL="1234440" algn="l" defTabSz="822960" rtl="0" eaLnBrk="1" latinLnBrk="0" hangingPunct="1">
+        <a:defRPr sz="1620" kern="1200">
           <a:solidFill>
             <a:schemeClr val="tx1"/>
           </a:solidFill>
@@ -2896,8 +2901,8 @@
           <a:cs typeface="+mn-cs"/>
         </a:defRPr>
       </a:lvl4pPr>
-      <a:lvl5pPr marL="1585021" algn="l" defTabSz="792510" rtl="0" eaLnBrk="1" latinLnBrk="0" hangingPunct="1">
-        <a:defRPr sz="1560" kern="1200">
+      <a:lvl5pPr marL="1645920" algn="l" defTabSz="822960" rtl="0" eaLnBrk="1" latinLnBrk="0" hangingPunct="1">
+        <a:defRPr sz="1620" kern="1200">
           <a:solidFill>
             <a:schemeClr val="tx1"/>
           </a:solidFill>
@@ -2906,8 +2911,8 @@
           <a:cs typeface="+mn-cs"/>
         </a:defRPr>
       </a:lvl5pPr>
-      <a:lvl6pPr marL="1981276" algn="l" defTabSz="792510" rtl="0" eaLnBrk="1" latinLnBrk="0" hangingPunct="1">
-        <a:defRPr sz="1560" kern="1200">
+      <a:lvl6pPr marL="2057400" algn="l" defTabSz="822960" rtl="0" eaLnBrk="1" latinLnBrk="0" hangingPunct="1">
+        <a:defRPr sz="1620" kern="1200">
           <a:solidFill>
             <a:schemeClr val="tx1"/>
           </a:solidFill>
@@ -2916,8 +2921,8 @@
           <a:cs typeface="+mn-cs"/>
         </a:defRPr>
       </a:lvl6pPr>
-      <a:lvl7pPr marL="2377531" algn="l" defTabSz="792510" rtl="0" eaLnBrk="1" latinLnBrk="0" hangingPunct="1">
-        <a:defRPr sz="1560" kern="1200">
+      <a:lvl7pPr marL="2468880" algn="l" defTabSz="822960" rtl="0" eaLnBrk="1" latinLnBrk="0" hangingPunct="1">
+        <a:defRPr sz="1620" kern="1200">
           <a:solidFill>
             <a:schemeClr val="tx1"/>
           </a:solidFill>
@@ -2926,8 +2931,8 @@
           <a:cs typeface="+mn-cs"/>
         </a:defRPr>
       </a:lvl7pPr>
-      <a:lvl8pPr marL="2773787" algn="l" defTabSz="792510" rtl="0" eaLnBrk="1" latinLnBrk="0" hangingPunct="1">
-        <a:defRPr sz="1560" kern="1200">
+      <a:lvl8pPr marL="2880360" algn="l" defTabSz="822960" rtl="0" eaLnBrk="1" latinLnBrk="0" hangingPunct="1">
+        <a:defRPr sz="1620" kern="1200">
           <a:solidFill>
             <a:schemeClr val="tx1"/>
           </a:solidFill>
@@ -2936,8 +2941,8 @@
           <a:cs typeface="+mn-cs"/>
         </a:defRPr>
       </a:lvl8pPr>
-      <a:lvl9pPr marL="3170042" algn="l" defTabSz="792510" rtl="0" eaLnBrk="1" latinLnBrk="0" hangingPunct="1">
-        <a:defRPr sz="1560" kern="1200">
+      <a:lvl9pPr marL="3291840" algn="l" defTabSz="822960" rtl="0" eaLnBrk="1" latinLnBrk="0" hangingPunct="1">
+        <a:defRPr sz="1620" kern="1200">
           <a:solidFill>
             <a:schemeClr val="tx1"/>
           </a:solidFill>
@@ -2970,10 +2975,10 @@
       </p:grpSpPr>
       <p:pic>
         <p:nvPicPr>
-          <p:cNvPr id="5" name="Picture 4">
+          <p:cNvPr id="3" name="Picture 2">
             <a:extLst>
               <a:ext uri="{FF2B5EF4-FFF2-40B4-BE49-F238E27FC236}">
-                <a16:creationId xmlns:a16="http://schemas.microsoft.com/office/drawing/2014/main" id="{33A9A94B-0722-4057-2B16-850E3A5C7B25}"/>
+                <a16:creationId xmlns:a16="http://schemas.microsoft.com/office/drawing/2014/main" id="{B3611F6E-5128-E3C1-C643-C5B4244F603D}"/>
               </a:ext>
             </a:extLst>
           </p:cNvPr>
@@ -2991,7 +2996,7 @@
         <p:spPr>
           <a:xfrm>
             <a:off x="0" y="0"/>
-            <a:ext cx="10972800" cy="5943600"/>
+            <a:ext cx="10972800" cy="6172200"/>
           </a:xfrm>
           <a:prstGeom prst="rect">
             <a:avLst/>
@@ -3012,7 +3017,7 @@
         </p:nvSpPr>
         <p:spPr>
           <a:xfrm>
-            <a:off x="4515758" y="129354"/>
+            <a:off x="4352090" y="140472"/>
             <a:ext cx="236406" cy="218564"/>
           </a:xfrm>
           <a:prstGeom prst="rect">
@@ -3064,7 +3069,7 @@
         </p:nvSpPr>
         <p:spPr>
           <a:xfrm>
-            <a:off x="4596532" y="202367"/>
+            <a:off x="4429307" y="195695"/>
             <a:ext cx="74859" cy="72538"/>
           </a:xfrm>
           <a:prstGeom prst="triangle">
@@ -3116,7 +3121,7 @@
         </p:nvSpPr>
         <p:spPr>
           <a:xfrm>
-            <a:off x="5630590" y="129354"/>
+            <a:off x="5674515" y="140472"/>
             <a:ext cx="236406" cy="218564"/>
           </a:xfrm>
           <a:prstGeom prst="rect">
@@ -3168,7 +3173,7 @@
         </p:nvCxnSpPr>
         <p:spPr>
           <a:xfrm>
-            <a:off x="5661329" y="251049"/>
+            <a:off x="5705254" y="249830"/>
             <a:ext cx="174929" cy="0"/>
           </a:xfrm>
           <a:prstGeom prst="line">
@@ -3209,7 +3214,7 @@
         </p:nvCxnSpPr>
         <p:spPr>
           <a:xfrm>
-            <a:off x="5462544" y="3219010"/>
+            <a:off x="5455429" y="3333310"/>
             <a:ext cx="174929" cy="0"/>
           </a:xfrm>
           <a:prstGeom prst="line">
@@ -3218,6 +3223,47 @@
           <a:ln w="12700">
             <a:solidFill>
               <a:srgbClr val="717171"/>
+            </a:solidFill>
+          </a:ln>
+        </p:spPr>
+        <p:style>
+          <a:lnRef idx="1">
+            <a:schemeClr val="accent1"/>
+          </a:lnRef>
+          <a:fillRef idx="0">
+            <a:schemeClr val="accent1"/>
+          </a:fillRef>
+          <a:effectRef idx="0">
+            <a:schemeClr val="accent1"/>
+          </a:effectRef>
+          <a:fontRef idx="minor">
+            <a:schemeClr val="tx1"/>
+          </a:fontRef>
+        </p:style>
+      </p:cxnSp>
+      <p:cxnSp>
+        <p:nvCxnSpPr>
+          <p:cNvPr id="6" name="Straight Connector 5">
+            <a:extLst>
+              <a:ext uri="{FF2B5EF4-FFF2-40B4-BE49-F238E27FC236}">
+                <a16:creationId xmlns:a16="http://schemas.microsoft.com/office/drawing/2014/main" id="{258EBB89-6729-3B34-D73F-1D638BA3883D}"/>
+              </a:ext>
+            </a:extLst>
+          </p:cNvPr>
+          <p:cNvCxnSpPr/>
+          <p:nvPr/>
+        </p:nvCxnSpPr>
+        <p:spPr>
+          <a:xfrm>
+            <a:off x="4623287" y="3335761"/>
+            <a:ext cx="174929" cy="0"/>
+          </a:xfrm>
+          <a:prstGeom prst="line">
+            <a:avLst/>
+          </a:prstGeom>
+          <a:ln w="12700">
+            <a:solidFill>
+              <a:srgbClr val="FF1B1C"/>
             </a:solidFill>
           </a:ln>
         </p:spPr>

--- a/figures/R_figs/Fig3.pptx
+++ b/figures/R_figs/Fig3.pptx
@@ -243,7 +243,7 @@
           <a:p>
             <a:fld id="{1A95B205-F163-8A4A-8B3F-D4F443FB412E}" type="datetimeFigureOut">
               <a:rPr lang="en-US" smtClean="0"/>
-              <a:t>8/19/23</a:t>
+              <a:t>8/22/23</a:t>
             </a:fld>
             <a:endParaRPr lang="en-US"/>
           </a:p>
@@ -413,7 +413,7 @@
           <a:p>
             <a:fld id="{1A95B205-F163-8A4A-8B3F-D4F443FB412E}" type="datetimeFigureOut">
               <a:rPr lang="en-US" smtClean="0"/>
-              <a:t>8/19/23</a:t>
+              <a:t>8/22/23</a:t>
             </a:fld>
             <a:endParaRPr lang="en-US"/>
           </a:p>
@@ -593,7 +593,7 @@
           <a:p>
             <a:fld id="{1A95B205-F163-8A4A-8B3F-D4F443FB412E}" type="datetimeFigureOut">
               <a:rPr lang="en-US" smtClean="0"/>
-              <a:t>8/19/23</a:t>
+              <a:t>8/22/23</a:t>
             </a:fld>
             <a:endParaRPr lang="en-US"/>
           </a:p>
@@ -763,7 +763,7 @@
           <a:p>
             <a:fld id="{1A95B205-F163-8A4A-8B3F-D4F443FB412E}" type="datetimeFigureOut">
               <a:rPr lang="en-US" smtClean="0"/>
-              <a:t>8/19/23</a:t>
+              <a:t>8/22/23</a:t>
             </a:fld>
             <a:endParaRPr lang="en-US"/>
           </a:p>
@@ -1009,7 +1009,7 @@
           <a:p>
             <a:fld id="{1A95B205-F163-8A4A-8B3F-D4F443FB412E}" type="datetimeFigureOut">
               <a:rPr lang="en-US" smtClean="0"/>
-              <a:t>8/19/23</a:t>
+              <a:t>8/22/23</a:t>
             </a:fld>
             <a:endParaRPr lang="en-US"/>
           </a:p>
@@ -1241,7 +1241,7 @@
           <a:p>
             <a:fld id="{1A95B205-F163-8A4A-8B3F-D4F443FB412E}" type="datetimeFigureOut">
               <a:rPr lang="en-US" smtClean="0"/>
-              <a:t>8/19/23</a:t>
+              <a:t>8/22/23</a:t>
             </a:fld>
             <a:endParaRPr lang="en-US"/>
           </a:p>
@@ -1608,7 +1608,7 @@
           <a:p>
             <a:fld id="{1A95B205-F163-8A4A-8B3F-D4F443FB412E}" type="datetimeFigureOut">
               <a:rPr lang="en-US" smtClean="0"/>
-              <a:t>8/19/23</a:t>
+              <a:t>8/22/23</a:t>
             </a:fld>
             <a:endParaRPr lang="en-US"/>
           </a:p>
@@ -1726,7 +1726,7 @@
           <a:p>
             <a:fld id="{1A95B205-F163-8A4A-8B3F-D4F443FB412E}" type="datetimeFigureOut">
               <a:rPr lang="en-US" smtClean="0"/>
-              <a:t>8/19/23</a:t>
+              <a:t>8/22/23</a:t>
             </a:fld>
             <a:endParaRPr lang="en-US"/>
           </a:p>
@@ -1821,7 +1821,7 @@
           <a:p>
             <a:fld id="{1A95B205-F163-8A4A-8B3F-D4F443FB412E}" type="datetimeFigureOut">
               <a:rPr lang="en-US" smtClean="0"/>
-              <a:t>8/19/23</a:t>
+              <a:t>8/22/23</a:t>
             </a:fld>
             <a:endParaRPr lang="en-US"/>
           </a:p>
@@ -2098,7 +2098,7 @@
           <a:p>
             <a:fld id="{1A95B205-F163-8A4A-8B3F-D4F443FB412E}" type="datetimeFigureOut">
               <a:rPr lang="en-US" smtClean="0"/>
-              <a:t>8/19/23</a:t>
+              <a:t>8/22/23</a:t>
             </a:fld>
             <a:endParaRPr lang="en-US"/>
           </a:p>
@@ -2355,7 +2355,7 @@
           <a:p>
             <a:fld id="{1A95B205-F163-8A4A-8B3F-D4F443FB412E}" type="datetimeFigureOut">
               <a:rPr lang="en-US" smtClean="0"/>
-              <a:t>8/19/23</a:t>
+              <a:t>8/22/23</a:t>
             </a:fld>
             <a:endParaRPr lang="en-US"/>
           </a:p>
@@ -2568,7 +2568,7 @@
           <a:p>
             <a:fld id="{1A95B205-F163-8A4A-8B3F-D4F443FB412E}" type="datetimeFigureOut">
               <a:rPr lang="en-US" smtClean="0"/>
-              <a:t>8/19/23</a:t>
+              <a:t>8/22/23</a:t>
             </a:fld>
             <a:endParaRPr lang="en-US"/>
           </a:p>
@@ -2989,9 +2989,8 @@
         </p:nvPicPr>
         <p:blipFill>
           <a:blip r:embed="rId2"/>
-          <a:stretch>
-            <a:fillRect/>
-          </a:stretch>
+          <a:srcRect/>
+          <a:stretch/>
         </p:blipFill>
         <p:spPr>
           <a:xfrm>
@@ -3214,7 +3213,7 @@
         </p:nvCxnSpPr>
         <p:spPr>
           <a:xfrm>
-            <a:off x="5455429" y="3333310"/>
+            <a:off x="5717164" y="3337286"/>
             <a:ext cx="174929" cy="0"/>
           </a:xfrm>
           <a:prstGeom prst="line">
@@ -3255,7 +3254,7 @@
         </p:nvCxnSpPr>
         <p:spPr>
           <a:xfrm>
-            <a:off x="4623287" y="3335761"/>
+            <a:off x="4356918" y="3335761"/>
             <a:ext cx="174929" cy="0"/>
           </a:xfrm>
           <a:prstGeom prst="line">

--- a/figures/R_figs/Fig3.pptx
+++ b/figures/R_figs/Fig3.pptx
@@ -243,7 +243,7 @@
           <a:p>
             <a:fld id="{1A95B205-F163-8A4A-8B3F-D4F443FB412E}" type="datetimeFigureOut">
               <a:rPr lang="en-US" smtClean="0"/>
-              <a:t>8/22/23</a:t>
+              <a:t>11/4/23</a:t>
             </a:fld>
             <a:endParaRPr lang="en-US"/>
           </a:p>
@@ -413,7 +413,7 @@
           <a:p>
             <a:fld id="{1A95B205-F163-8A4A-8B3F-D4F443FB412E}" type="datetimeFigureOut">
               <a:rPr lang="en-US" smtClean="0"/>
-              <a:t>8/22/23</a:t>
+              <a:t>11/4/23</a:t>
             </a:fld>
             <a:endParaRPr lang="en-US"/>
           </a:p>
@@ -593,7 +593,7 @@
           <a:p>
             <a:fld id="{1A95B205-F163-8A4A-8B3F-D4F443FB412E}" type="datetimeFigureOut">
               <a:rPr lang="en-US" smtClean="0"/>
-              <a:t>8/22/23</a:t>
+              <a:t>11/4/23</a:t>
             </a:fld>
             <a:endParaRPr lang="en-US"/>
           </a:p>
@@ -763,7 +763,7 @@
           <a:p>
             <a:fld id="{1A95B205-F163-8A4A-8B3F-D4F443FB412E}" type="datetimeFigureOut">
               <a:rPr lang="en-US" smtClean="0"/>
-              <a:t>8/22/23</a:t>
+              <a:t>11/4/23</a:t>
             </a:fld>
             <a:endParaRPr lang="en-US"/>
           </a:p>
@@ -1009,7 +1009,7 @@
           <a:p>
             <a:fld id="{1A95B205-F163-8A4A-8B3F-D4F443FB412E}" type="datetimeFigureOut">
               <a:rPr lang="en-US" smtClean="0"/>
-              <a:t>8/22/23</a:t>
+              <a:t>11/4/23</a:t>
             </a:fld>
             <a:endParaRPr lang="en-US"/>
           </a:p>
@@ -1241,7 +1241,7 @@
           <a:p>
             <a:fld id="{1A95B205-F163-8A4A-8B3F-D4F443FB412E}" type="datetimeFigureOut">
               <a:rPr lang="en-US" smtClean="0"/>
-              <a:t>8/22/23</a:t>
+              <a:t>11/4/23</a:t>
             </a:fld>
             <a:endParaRPr lang="en-US"/>
           </a:p>
@@ -1608,7 +1608,7 @@
           <a:p>
             <a:fld id="{1A95B205-F163-8A4A-8B3F-D4F443FB412E}" type="datetimeFigureOut">
               <a:rPr lang="en-US" smtClean="0"/>
-              <a:t>8/22/23</a:t>
+              <a:t>11/4/23</a:t>
             </a:fld>
             <a:endParaRPr lang="en-US"/>
           </a:p>
@@ -1726,7 +1726,7 @@
           <a:p>
             <a:fld id="{1A95B205-F163-8A4A-8B3F-D4F443FB412E}" type="datetimeFigureOut">
               <a:rPr lang="en-US" smtClean="0"/>
-              <a:t>8/22/23</a:t>
+              <a:t>11/4/23</a:t>
             </a:fld>
             <a:endParaRPr lang="en-US"/>
           </a:p>
@@ -1821,7 +1821,7 @@
           <a:p>
             <a:fld id="{1A95B205-F163-8A4A-8B3F-D4F443FB412E}" type="datetimeFigureOut">
               <a:rPr lang="en-US" smtClean="0"/>
-              <a:t>8/22/23</a:t>
+              <a:t>11/4/23</a:t>
             </a:fld>
             <a:endParaRPr lang="en-US"/>
           </a:p>
@@ -2098,7 +2098,7 @@
           <a:p>
             <a:fld id="{1A95B205-F163-8A4A-8B3F-D4F443FB412E}" type="datetimeFigureOut">
               <a:rPr lang="en-US" smtClean="0"/>
-              <a:t>8/22/23</a:t>
+              <a:t>11/4/23</a:t>
             </a:fld>
             <a:endParaRPr lang="en-US"/>
           </a:p>
@@ -2355,7 +2355,7 @@
           <a:p>
             <a:fld id="{1A95B205-F163-8A4A-8B3F-D4F443FB412E}" type="datetimeFigureOut">
               <a:rPr lang="en-US" smtClean="0"/>
-              <a:t>8/22/23</a:t>
+              <a:t>11/4/23</a:t>
             </a:fld>
             <a:endParaRPr lang="en-US"/>
           </a:p>
@@ -2568,7 +2568,7 @@
           <a:p>
             <a:fld id="{1A95B205-F163-8A4A-8B3F-D4F443FB412E}" type="datetimeFigureOut">
               <a:rPr lang="en-US" smtClean="0"/>
-              <a:t>8/22/23</a:t>
+              <a:t>11/4/23</a:t>
             </a:fld>
             <a:endParaRPr lang="en-US"/>
           </a:p>
@@ -3016,7 +3016,7 @@
         </p:nvSpPr>
         <p:spPr>
           <a:xfrm>
-            <a:off x="4352090" y="140472"/>
+            <a:off x="4348492" y="140472"/>
             <a:ext cx="236406" cy="218564"/>
           </a:xfrm>
           <a:prstGeom prst="rect">
@@ -3068,7 +3068,7 @@
         </p:nvSpPr>
         <p:spPr>
           <a:xfrm>
-            <a:off x="4429307" y="195695"/>
+            <a:off x="4429266" y="213485"/>
             <a:ext cx="74859" cy="72538"/>
           </a:xfrm>
           <a:prstGeom prst="triangle">
@@ -3213,7 +3213,7 @@
         </p:nvCxnSpPr>
         <p:spPr>
           <a:xfrm>
-            <a:off x="5717164" y="3337286"/>
+            <a:off x="6517856" y="3334111"/>
             <a:ext cx="174929" cy="0"/>
           </a:xfrm>
           <a:prstGeom prst="line">
@@ -3254,7 +3254,7 @@
         </p:nvCxnSpPr>
         <p:spPr>
           <a:xfrm>
-            <a:off x="4356918" y="3335761"/>
+            <a:off x="5157018" y="3334111"/>
             <a:ext cx="174929" cy="0"/>
           </a:xfrm>
           <a:prstGeom prst="line">

--- a/figures/R_figs/Fig3.pptx
+++ b/figures/R_figs/Fig3.pptx
@@ -243,7 +243,7 @@
           <a:p>
             <a:fld id="{1A95B205-F163-8A4A-8B3F-D4F443FB412E}" type="datetimeFigureOut">
               <a:rPr lang="en-US" smtClean="0"/>
-              <a:t>11/4/23</a:t>
+              <a:t>11/6/23</a:t>
             </a:fld>
             <a:endParaRPr lang="en-US"/>
           </a:p>
@@ -413,7 +413,7 @@
           <a:p>
             <a:fld id="{1A95B205-F163-8A4A-8B3F-D4F443FB412E}" type="datetimeFigureOut">
               <a:rPr lang="en-US" smtClean="0"/>
-              <a:t>11/4/23</a:t>
+              <a:t>11/6/23</a:t>
             </a:fld>
             <a:endParaRPr lang="en-US"/>
           </a:p>
@@ -593,7 +593,7 @@
           <a:p>
             <a:fld id="{1A95B205-F163-8A4A-8B3F-D4F443FB412E}" type="datetimeFigureOut">
               <a:rPr lang="en-US" smtClean="0"/>
-              <a:t>11/4/23</a:t>
+              <a:t>11/6/23</a:t>
             </a:fld>
             <a:endParaRPr lang="en-US"/>
           </a:p>
@@ -763,7 +763,7 @@
           <a:p>
             <a:fld id="{1A95B205-F163-8A4A-8B3F-D4F443FB412E}" type="datetimeFigureOut">
               <a:rPr lang="en-US" smtClean="0"/>
-              <a:t>11/4/23</a:t>
+              <a:t>11/6/23</a:t>
             </a:fld>
             <a:endParaRPr lang="en-US"/>
           </a:p>
@@ -1009,7 +1009,7 @@
           <a:p>
             <a:fld id="{1A95B205-F163-8A4A-8B3F-D4F443FB412E}" type="datetimeFigureOut">
               <a:rPr lang="en-US" smtClean="0"/>
-              <a:t>11/4/23</a:t>
+              <a:t>11/6/23</a:t>
             </a:fld>
             <a:endParaRPr lang="en-US"/>
           </a:p>
@@ -1241,7 +1241,7 @@
           <a:p>
             <a:fld id="{1A95B205-F163-8A4A-8B3F-D4F443FB412E}" type="datetimeFigureOut">
               <a:rPr lang="en-US" smtClean="0"/>
-              <a:t>11/4/23</a:t>
+              <a:t>11/6/23</a:t>
             </a:fld>
             <a:endParaRPr lang="en-US"/>
           </a:p>
@@ -1608,7 +1608,7 @@
           <a:p>
             <a:fld id="{1A95B205-F163-8A4A-8B3F-D4F443FB412E}" type="datetimeFigureOut">
               <a:rPr lang="en-US" smtClean="0"/>
-              <a:t>11/4/23</a:t>
+              <a:t>11/6/23</a:t>
             </a:fld>
             <a:endParaRPr lang="en-US"/>
           </a:p>
@@ -1726,7 +1726,7 @@
           <a:p>
             <a:fld id="{1A95B205-F163-8A4A-8B3F-D4F443FB412E}" type="datetimeFigureOut">
               <a:rPr lang="en-US" smtClean="0"/>
-              <a:t>11/4/23</a:t>
+              <a:t>11/6/23</a:t>
             </a:fld>
             <a:endParaRPr lang="en-US"/>
           </a:p>
@@ -1821,7 +1821,7 @@
           <a:p>
             <a:fld id="{1A95B205-F163-8A4A-8B3F-D4F443FB412E}" type="datetimeFigureOut">
               <a:rPr lang="en-US" smtClean="0"/>
-              <a:t>11/4/23</a:t>
+              <a:t>11/6/23</a:t>
             </a:fld>
             <a:endParaRPr lang="en-US"/>
           </a:p>
@@ -2098,7 +2098,7 @@
           <a:p>
             <a:fld id="{1A95B205-F163-8A4A-8B3F-D4F443FB412E}" type="datetimeFigureOut">
               <a:rPr lang="en-US" smtClean="0"/>
-              <a:t>11/4/23</a:t>
+              <a:t>11/6/23</a:t>
             </a:fld>
             <a:endParaRPr lang="en-US"/>
           </a:p>
@@ -2355,7 +2355,7 @@
           <a:p>
             <a:fld id="{1A95B205-F163-8A4A-8B3F-D4F443FB412E}" type="datetimeFigureOut">
               <a:rPr lang="en-US" smtClean="0"/>
-              <a:t>11/4/23</a:t>
+              <a:t>11/6/23</a:t>
             </a:fld>
             <a:endParaRPr lang="en-US"/>
           </a:p>
@@ -2568,7 +2568,7 @@
           <a:p>
             <a:fld id="{1A95B205-F163-8A4A-8B3F-D4F443FB412E}" type="datetimeFigureOut">
               <a:rPr lang="en-US" smtClean="0"/>
-              <a:t>11/4/23</a:t>
+              <a:t>11/6/23</a:t>
             </a:fld>
             <a:endParaRPr lang="en-US"/>
           </a:p>

--- a/figures/R_figs/Fig3.pptx
+++ b/figures/R_figs/Fig3.pptx
@@ -243,7 +243,7 @@
           <a:p>
             <a:fld id="{1A95B205-F163-8A4A-8B3F-D4F443FB412E}" type="datetimeFigureOut">
               <a:rPr lang="en-US" smtClean="0"/>
-              <a:t>11/6/23</a:t>
+              <a:t>11/9/23</a:t>
             </a:fld>
             <a:endParaRPr lang="en-US"/>
           </a:p>
@@ -413,7 +413,7 @@
           <a:p>
             <a:fld id="{1A95B205-F163-8A4A-8B3F-D4F443FB412E}" type="datetimeFigureOut">
               <a:rPr lang="en-US" smtClean="0"/>
-              <a:t>11/6/23</a:t>
+              <a:t>11/9/23</a:t>
             </a:fld>
             <a:endParaRPr lang="en-US"/>
           </a:p>
@@ -593,7 +593,7 @@
           <a:p>
             <a:fld id="{1A95B205-F163-8A4A-8B3F-D4F443FB412E}" type="datetimeFigureOut">
               <a:rPr lang="en-US" smtClean="0"/>
-              <a:t>11/6/23</a:t>
+              <a:t>11/9/23</a:t>
             </a:fld>
             <a:endParaRPr lang="en-US"/>
           </a:p>
@@ -763,7 +763,7 @@
           <a:p>
             <a:fld id="{1A95B205-F163-8A4A-8B3F-D4F443FB412E}" type="datetimeFigureOut">
               <a:rPr lang="en-US" smtClean="0"/>
-              <a:t>11/6/23</a:t>
+              <a:t>11/9/23</a:t>
             </a:fld>
             <a:endParaRPr lang="en-US"/>
           </a:p>
@@ -1009,7 +1009,7 @@
           <a:p>
             <a:fld id="{1A95B205-F163-8A4A-8B3F-D4F443FB412E}" type="datetimeFigureOut">
               <a:rPr lang="en-US" smtClean="0"/>
-              <a:t>11/6/23</a:t>
+              <a:t>11/9/23</a:t>
             </a:fld>
             <a:endParaRPr lang="en-US"/>
           </a:p>
@@ -1241,7 +1241,7 @@
           <a:p>
             <a:fld id="{1A95B205-F163-8A4A-8B3F-D4F443FB412E}" type="datetimeFigureOut">
               <a:rPr lang="en-US" smtClean="0"/>
-              <a:t>11/6/23</a:t>
+              <a:t>11/9/23</a:t>
             </a:fld>
             <a:endParaRPr lang="en-US"/>
           </a:p>
@@ -1608,7 +1608,7 @@
           <a:p>
             <a:fld id="{1A95B205-F163-8A4A-8B3F-D4F443FB412E}" type="datetimeFigureOut">
               <a:rPr lang="en-US" smtClean="0"/>
-              <a:t>11/6/23</a:t>
+              <a:t>11/9/23</a:t>
             </a:fld>
             <a:endParaRPr lang="en-US"/>
           </a:p>
@@ -1726,7 +1726,7 @@
           <a:p>
             <a:fld id="{1A95B205-F163-8A4A-8B3F-D4F443FB412E}" type="datetimeFigureOut">
               <a:rPr lang="en-US" smtClean="0"/>
-              <a:t>11/6/23</a:t>
+              <a:t>11/9/23</a:t>
             </a:fld>
             <a:endParaRPr lang="en-US"/>
           </a:p>
@@ -1821,7 +1821,7 @@
           <a:p>
             <a:fld id="{1A95B205-F163-8A4A-8B3F-D4F443FB412E}" type="datetimeFigureOut">
               <a:rPr lang="en-US" smtClean="0"/>
-              <a:t>11/6/23</a:t>
+              <a:t>11/9/23</a:t>
             </a:fld>
             <a:endParaRPr lang="en-US"/>
           </a:p>
@@ -2098,7 +2098,7 @@
           <a:p>
             <a:fld id="{1A95B205-F163-8A4A-8B3F-D4F443FB412E}" type="datetimeFigureOut">
               <a:rPr lang="en-US" smtClean="0"/>
-              <a:t>11/6/23</a:t>
+              <a:t>11/9/23</a:t>
             </a:fld>
             <a:endParaRPr lang="en-US"/>
           </a:p>
@@ -2355,7 +2355,7 @@
           <a:p>
             <a:fld id="{1A95B205-F163-8A4A-8B3F-D4F443FB412E}" type="datetimeFigureOut">
               <a:rPr lang="en-US" smtClean="0"/>
-              <a:t>11/6/23</a:t>
+              <a:t>11/9/23</a:t>
             </a:fld>
             <a:endParaRPr lang="en-US"/>
           </a:p>
@@ -2568,7 +2568,7 @@
           <a:p>
             <a:fld id="{1A95B205-F163-8A4A-8B3F-D4F443FB412E}" type="datetimeFigureOut">
               <a:rPr lang="en-US" smtClean="0"/>
-              <a:t>11/6/23</a:t>
+              <a:t>11/9/23</a:t>
             </a:fld>
             <a:endParaRPr lang="en-US"/>
           </a:p>

--- a/figures/R_figs/Fig3.pptx
+++ b/figures/R_figs/Fig3.pptx
@@ -243,7 +243,7 @@
           <a:p>
             <a:fld id="{1A95B205-F163-8A4A-8B3F-D4F443FB412E}" type="datetimeFigureOut">
               <a:rPr lang="en-US" smtClean="0"/>
-              <a:t>11/9/23</a:t>
+              <a:t>4/13/24</a:t>
             </a:fld>
             <a:endParaRPr lang="en-US"/>
           </a:p>
@@ -413,7 +413,7 @@
           <a:p>
             <a:fld id="{1A95B205-F163-8A4A-8B3F-D4F443FB412E}" type="datetimeFigureOut">
               <a:rPr lang="en-US" smtClean="0"/>
-              <a:t>11/9/23</a:t>
+              <a:t>4/13/24</a:t>
             </a:fld>
             <a:endParaRPr lang="en-US"/>
           </a:p>
@@ -593,7 +593,7 @@
           <a:p>
             <a:fld id="{1A95B205-F163-8A4A-8B3F-D4F443FB412E}" type="datetimeFigureOut">
               <a:rPr lang="en-US" smtClean="0"/>
-              <a:t>11/9/23</a:t>
+              <a:t>4/13/24</a:t>
             </a:fld>
             <a:endParaRPr lang="en-US"/>
           </a:p>
@@ -763,7 +763,7 @@
           <a:p>
             <a:fld id="{1A95B205-F163-8A4A-8B3F-D4F443FB412E}" type="datetimeFigureOut">
               <a:rPr lang="en-US" smtClean="0"/>
-              <a:t>11/9/23</a:t>
+              <a:t>4/13/24</a:t>
             </a:fld>
             <a:endParaRPr lang="en-US"/>
           </a:p>
@@ -1009,7 +1009,7 @@
           <a:p>
             <a:fld id="{1A95B205-F163-8A4A-8B3F-D4F443FB412E}" type="datetimeFigureOut">
               <a:rPr lang="en-US" smtClean="0"/>
-              <a:t>11/9/23</a:t>
+              <a:t>4/13/24</a:t>
             </a:fld>
             <a:endParaRPr lang="en-US"/>
           </a:p>
@@ -1241,7 +1241,7 @@
           <a:p>
             <a:fld id="{1A95B205-F163-8A4A-8B3F-D4F443FB412E}" type="datetimeFigureOut">
               <a:rPr lang="en-US" smtClean="0"/>
-              <a:t>11/9/23</a:t>
+              <a:t>4/13/24</a:t>
             </a:fld>
             <a:endParaRPr lang="en-US"/>
           </a:p>
@@ -1608,7 +1608,7 @@
           <a:p>
             <a:fld id="{1A95B205-F163-8A4A-8B3F-D4F443FB412E}" type="datetimeFigureOut">
               <a:rPr lang="en-US" smtClean="0"/>
-              <a:t>11/9/23</a:t>
+              <a:t>4/13/24</a:t>
             </a:fld>
             <a:endParaRPr lang="en-US"/>
           </a:p>
@@ -1726,7 +1726,7 @@
           <a:p>
             <a:fld id="{1A95B205-F163-8A4A-8B3F-D4F443FB412E}" type="datetimeFigureOut">
               <a:rPr lang="en-US" smtClean="0"/>
-              <a:t>11/9/23</a:t>
+              <a:t>4/13/24</a:t>
             </a:fld>
             <a:endParaRPr lang="en-US"/>
           </a:p>
@@ -1821,7 +1821,7 @@
           <a:p>
             <a:fld id="{1A95B205-F163-8A4A-8B3F-D4F443FB412E}" type="datetimeFigureOut">
               <a:rPr lang="en-US" smtClean="0"/>
-              <a:t>11/9/23</a:t>
+              <a:t>4/13/24</a:t>
             </a:fld>
             <a:endParaRPr lang="en-US"/>
           </a:p>
@@ -2098,7 +2098,7 @@
           <a:p>
             <a:fld id="{1A95B205-F163-8A4A-8B3F-D4F443FB412E}" type="datetimeFigureOut">
               <a:rPr lang="en-US" smtClean="0"/>
-              <a:t>11/9/23</a:t>
+              <a:t>4/13/24</a:t>
             </a:fld>
             <a:endParaRPr lang="en-US"/>
           </a:p>
@@ -2355,7 +2355,7 @@
           <a:p>
             <a:fld id="{1A95B205-F163-8A4A-8B3F-D4F443FB412E}" type="datetimeFigureOut">
               <a:rPr lang="en-US" smtClean="0"/>
-              <a:t>11/9/23</a:t>
+              <a:t>4/13/24</a:t>
             </a:fld>
             <a:endParaRPr lang="en-US"/>
           </a:p>
@@ -2568,7 +2568,7 @@
           <a:p>
             <a:fld id="{1A95B205-F163-8A4A-8B3F-D4F443FB412E}" type="datetimeFigureOut">
               <a:rPr lang="en-US" smtClean="0"/>
-              <a:t>11/9/23</a:t>
+              <a:t>4/13/24</a:t>
             </a:fld>
             <a:endParaRPr lang="en-US"/>
           </a:p>
